--- a/07-31-2023/garrett_frog.pptx
+++ b/07-31-2023/garrett_frog.pptx
@@ -4,6 +4,9 @@
   <p:sldMasterIdLst>
     <p:sldMasterId id="2147483648" r:id="rId1"/>
   </p:sldMasterIdLst>
+  <p:notesMasterIdLst>
+    <p:notesMasterId r:id="rId3"/>
+  </p:notesMasterIdLst>
   <p:sldIdLst>
     <p:sldId id="256" r:id="rId2"/>
   </p:sldIdLst>
@@ -104,7 +107,456 @@
       </a:defRPr>
     </a:lvl9pPr>
   </p:defaultTextStyle>
+  <p:extLst>
+    <p:ext uri="{EFAFB233-063F-42B5-8137-9DF3F51BA10A}">
+      <p15:sldGuideLst xmlns:p15="http://schemas.microsoft.com/office/powerpoint/2012/main"/>
+    </p:ext>
+  </p:extLst>
 </p:presentation>
+</file>
+
+<file path=ppt/notesMasters/notesMaster1.xml><?xml version="1.0" encoding="utf-8"?>
+<p:notesMaster xmlns:a="http://schemas.openxmlformats.org/drawingml/2006/main" xmlns:r="http://schemas.openxmlformats.org/officeDocument/2006/relationships" xmlns:p="http://schemas.openxmlformats.org/presentationml/2006/main">
+  <p:cSld>
+    <p:bg>
+      <p:bgRef idx="1001">
+        <a:schemeClr val="bg1"/>
+      </p:bgRef>
+    </p:bg>
+    <p:spTree>
+      <p:nvGrpSpPr>
+        <p:cNvPr id="1" name=""/>
+        <p:cNvGrpSpPr/>
+        <p:nvPr/>
+      </p:nvGrpSpPr>
+      <p:grpSpPr>
+        <a:xfrm>
+          <a:off x="0" y="0"/>
+          <a:ext cx="0" cy="0"/>
+          <a:chOff x="0" y="0"/>
+          <a:chExt cx="0" cy="0"/>
+        </a:xfrm>
+      </p:grpSpPr>
+      <p:sp>
+        <p:nvSpPr>
+          <p:cNvPr id="2" name="Header Placeholder 1"/>
+          <p:cNvSpPr>
+            <a:spLocks noGrp="1"/>
+          </p:cNvSpPr>
+          <p:nvPr>
+            <p:ph type="hdr" sz="quarter"/>
+          </p:nvPr>
+        </p:nvSpPr>
+        <p:spPr>
+          <a:xfrm>
+            <a:off x="0" y="0"/>
+            <a:ext cx="2971800" cy="458788"/>
+          </a:xfrm>
+          <a:prstGeom prst="rect">
+            <a:avLst/>
+          </a:prstGeom>
+        </p:spPr>
+        <p:txBody>
+          <a:bodyPr vert="horz" lIns="91440" tIns="45720" rIns="91440" bIns="45720" rtlCol="0"/>
+          <a:lstStyle>
+            <a:lvl1pPr algn="l">
+              <a:defRPr sz="1200"/>
+            </a:lvl1pPr>
+          </a:lstStyle>
+          <a:p>
+            <a:endParaRPr lang="en-US"/>
+          </a:p>
+        </p:txBody>
+      </p:sp>
+      <p:sp>
+        <p:nvSpPr>
+          <p:cNvPr id="3" name="Date Placeholder 2"/>
+          <p:cNvSpPr>
+            <a:spLocks noGrp="1"/>
+          </p:cNvSpPr>
+          <p:nvPr>
+            <p:ph type="dt" idx="1"/>
+          </p:nvPr>
+        </p:nvSpPr>
+        <p:spPr>
+          <a:xfrm>
+            <a:off x="3884613" y="0"/>
+            <a:ext cx="2971800" cy="458788"/>
+          </a:xfrm>
+          <a:prstGeom prst="rect">
+            <a:avLst/>
+          </a:prstGeom>
+        </p:spPr>
+        <p:txBody>
+          <a:bodyPr vert="horz" lIns="91440" tIns="45720" rIns="91440" bIns="45720" rtlCol="0"/>
+          <a:lstStyle>
+            <a:lvl1pPr algn="r">
+              <a:defRPr sz="1200"/>
+            </a:lvl1pPr>
+          </a:lstStyle>
+          <a:p>
+            <a:fld id="{4C1D2A77-936C-44B6-87B7-92F43A41BC76}" type="datetimeFigureOut">
+              <a:rPr lang="en-US" smtClean="0"/>
+              <a:t>7/31/2023</a:t>
+            </a:fld>
+            <a:endParaRPr lang="en-US"/>
+          </a:p>
+        </p:txBody>
+      </p:sp>
+      <p:sp>
+        <p:nvSpPr>
+          <p:cNvPr id="4" name="Slide Image Placeholder 3"/>
+          <p:cNvSpPr>
+            <a:spLocks noGrp="1" noRot="1" noChangeAspect="1"/>
+          </p:cNvSpPr>
+          <p:nvPr>
+            <p:ph type="sldImg" idx="2"/>
+          </p:nvPr>
+        </p:nvSpPr>
+        <p:spPr>
+          <a:xfrm>
+            <a:off x="685800" y="1143000"/>
+            <a:ext cx="5486400" cy="3086100"/>
+          </a:xfrm>
+          <a:prstGeom prst="rect">
+            <a:avLst/>
+          </a:prstGeom>
+          <a:noFill/>
+          <a:ln w="12700">
+            <a:solidFill>
+              <a:prstClr val="black"/>
+            </a:solidFill>
+          </a:ln>
+        </p:spPr>
+        <p:txBody>
+          <a:bodyPr vert="horz" lIns="91440" tIns="45720" rIns="91440" bIns="45720" rtlCol="0" anchor="ctr"/>
+          <a:lstStyle/>
+          <a:p>
+            <a:endParaRPr lang="en-US"/>
+          </a:p>
+        </p:txBody>
+      </p:sp>
+      <p:sp>
+        <p:nvSpPr>
+          <p:cNvPr id="5" name="Notes Placeholder 4"/>
+          <p:cNvSpPr>
+            <a:spLocks noGrp="1"/>
+          </p:cNvSpPr>
+          <p:nvPr>
+            <p:ph type="body" sz="quarter" idx="3"/>
+          </p:nvPr>
+        </p:nvSpPr>
+        <p:spPr>
+          <a:xfrm>
+            <a:off x="685800" y="4400550"/>
+            <a:ext cx="5486400" cy="3600450"/>
+          </a:xfrm>
+          <a:prstGeom prst="rect">
+            <a:avLst/>
+          </a:prstGeom>
+        </p:spPr>
+        <p:txBody>
+          <a:bodyPr vert="horz" lIns="91440" tIns="45720" rIns="91440" bIns="45720" rtlCol="0"/>
+          <a:lstStyle/>
+          <a:p>
+            <a:pPr lvl="0"/>
+            <a:r>
+              <a:rPr lang="en-US"/>
+              <a:t>Click to edit Master text styles</a:t>
+            </a:r>
+          </a:p>
+          <a:p>
+            <a:pPr lvl="1"/>
+            <a:r>
+              <a:rPr lang="en-US"/>
+              <a:t>Second level</a:t>
+            </a:r>
+          </a:p>
+          <a:p>
+            <a:pPr lvl="2"/>
+            <a:r>
+              <a:rPr lang="en-US"/>
+              <a:t>Third level</a:t>
+            </a:r>
+          </a:p>
+          <a:p>
+            <a:pPr lvl="3"/>
+            <a:r>
+              <a:rPr lang="en-US"/>
+              <a:t>Fourth level</a:t>
+            </a:r>
+          </a:p>
+          <a:p>
+            <a:pPr lvl="4"/>
+            <a:r>
+              <a:rPr lang="en-US"/>
+              <a:t>Fifth level</a:t>
+            </a:r>
+          </a:p>
+        </p:txBody>
+      </p:sp>
+      <p:sp>
+        <p:nvSpPr>
+          <p:cNvPr id="6" name="Footer Placeholder 5"/>
+          <p:cNvSpPr>
+            <a:spLocks noGrp="1"/>
+          </p:cNvSpPr>
+          <p:nvPr>
+            <p:ph type="ftr" sz="quarter" idx="4"/>
+          </p:nvPr>
+        </p:nvSpPr>
+        <p:spPr>
+          <a:xfrm>
+            <a:off x="0" y="8685213"/>
+            <a:ext cx="2971800" cy="458787"/>
+          </a:xfrm>
+          <a:prstGeom prst="rect">
+            <a:avLst/>
+          </a:prstGeom>
+        </p:spPr>
+        <p:txBody>
+          <a:bodyPr vert="horz" lIns="91440" tIns="45720" rIns="91440" bIns="45720" rtlCol="0" anchor="b"/>
+          <a:lstStyle>
+            <a:lvl1pPr algn="l">
+              <a:defRPr sz="1200"/>
+            </a:lvl1pPr>
+          </a:lstStyle>
+          <a:p>
+            <a:endParaRPr lang="en-US"/>
+          </a:p>
+        </p:txBody>
+      </p:sp>
+      <p:sp>
+        <p:nvSpPr>
+          <p:cNvPr id="7" name="Slide Number Placeholder 6"/>
+          <p:cNvSpPr>
+            <a:spLocks noGrp="1"/>
+          </p:cNvSpPr>
+          <p:nvPr>
+            <p:ph type="sldNum" sz="quarter" idx="5"/>
+          </p:nvPr>
+        </p:nvSpPr>
+        <p:spPr>
+          <a:xfrm>
+            <a:off x="3884613" y="8685213"/>
+            <a:ext cx="2971800" cy="458787"/>
+          </a:xfrm>
+          <a:prstGeom prst="rect">
+            <a:avLst/>
+          </a:prstGeom>
+        </p:spPr>
+        <p:txBody>
+          <a:bodyPr vert="horz" lIns="91440" tIns="45720" rIns="91440" bIns="45720" rtlCol="0" anchor="b"/>
+          <a:lstStyle>
+            <a:lvl1pPr algn="r">
+              <a:defRPr sz="1200"/>
+            </a:lvl1pPr>
+          </a:lstStyle>
+          <a:p>
+            <a:fld id="{04C4EE8E-9DCC-4AC0-820B-45B55A310CB3}" type="slidenum">
+              <a:rPr lang="en-US" smtClean="0"/>
+              <a:t>‹#›</a:t>
+            </a:fld>
+            <a:endParaRPr lang="en-US"/>
+          </a:p>
+        </p:txBody>
+      </p:sp>
+    </p:spTree>
+    <p:extLst>
+      <p:ext uri="{BB962C8B-B14F-4D97-AF65-F5344CB8AC3E}">
+        <p14:creationId xmlns:p14="http://schemas.microsoft.com/office/powerpoint/2010/main" val="3218371429"/>
+      </p:ext>
+    </p:extLst>
+  </p:cSld>
+  <p:clrMap bg1="lt1" tx1="dk1" bg2="lt2" tx2="dk2" accent1="accent1" accent2="accent2" accent3="accent3" accent4="accent4" accent5="accent5" accent6="accent6" hlink="hlink" folHlink="folHlink"/>
+  <p:notesStyle>
+    <a:lvl1pPr marL="0" algn="l" defTabSz="914400" rtl="0" eaLnBrk="1" latinLnBrk="0" hangingPunct="1">
+      <a:defRPr sz="1200" kern="1200">
+        <a:solidFill>
+          <a:schemeClr val="tx1"/>
+        </a:solidFill>
+        <a:latin typeface="+mn-lt"/>
+        <a:ea typeface="+mn-ea"/>
+        <a:cs typeface="+mn-cs"/>
+      </a:defRPr>
+    </a:lvl1pPr>
+    <a:lvl2pPr marL="457200" algn="l" defTabSz="914400" rtl="0" eaLnBrk="1" latinLnBrk="0" hangingPunct="1">
+      <a:defRPr sz="1200" kern="1200">
+        <a:solidFill>
+          <a:schemeClr val="tx1"/>
+        </a:solidFill>
+        <a:latin typeface="+mn-lt"/>
+        <a:ea typeface="+mn-ea"/>
+        <a:cs typeface="+mn-cs"/>
+      </a:defRPr>
+    </a:lvl2pPr>
+    <a:lvl3pPr marL="914400" algn="l" defTabSz="914400" rtl="0" eaLnBrk="1" latinLnBrk="0" hangingPunct="1">
+      <a:defRPr sz="1200" kern="1200">
+        <a:solidFill>
+          <a:schemeClr val="tx1"/>
+        </a:solidFill>
+        <a:latin typeface="+mn-lt"/>
+        <a:ea typeface="+mn-ea"/>
+        <a:cs typeface="+mn-cs"/>
+      </a:defRPr>
+    </a:lvl3pPr>
+    <a:lvl4pPr marL="1371600" algn="l" defTabSz="914400" rtl="0" eaLnBrk="1" latinLnBrk="0" hangingPunct="1">
+      <a:defRPr sz="1200" kern="1200">
+        <a:solidFill>
+          <a:schemeClr val="tx1"/>
+        </a:solidFill>
+        <a:latin typeface="+mn-lt"/>
+        <a:ea typeface="+mn-ea"/>
+        <a:cs typeface="+mn-cs"/>
+      </a:defRPr>
+    </a:lvl4pPr>
+    <a:lvl5pPr marL="1828800" algn="l" defTabSz="914400" rtl="0" eaLnBrk="1" latinLnBrk="0" hangingPunct="1">
+      <a:defRPr sz="1200" kern="1200">
+        <a:solidFill>
+          <a:schemeClr val="tx1"/>
+        </a:solidFill>
+        <a:latin typeface="+mn-lt"/>
+        <a:ea typeface="+mn-ea"/>
+        <a:cs typeface="+mn-cs"/>
+      </a:defRPr>
+    </a:lvl5pPr>
+    <a:lvl6pPr marL="2286000" algn="l" defTabSz="914400" rtl="0" eaLnBrk="1" latinLnBrk="0" hangingPunct="1">
+      <a:defRPr sz="1200" kern="1200">
+        <a:solidFill>
+          <a:schemeClr val="tx1"/>
+        </a:solidFill>
+        <a:latin typeface="+mn-lt"/>
+        <a:ea typeface="+mn-ea"/>
+        <a:cs typeface="+mn-cs"/>
+      </a:defRPr>
+    </a:lvl6pPr>
+    <a:lvl7pPr marL="2743200" algn="l" defTabSz="914400" rtl="0" eaLnBrk="1" latinLnBrk="0" hangingPunct="1">
+      <a:defRPr sz="1200" kern="1200">
+        <a:solidFill>
+          <a:schemeClr val="tx1"/>
+        </a:solidFill>
+        <a:latin typeface="+mn-lt"/>
+        <a:ea typeface="+mn-ea"/>
+        <a:cs typeface="+mn-cs"/>
+      </a:defRPr>
+    </a:lvl7pPr>
+    <a:lvl8pPr marL="3200400" algn="l" defTabSz="914400" rtl="0" eaLnBrk="1" latinLnBrk="0" hangingPunct="1">
+      <a:defRPr sz="1200" kern="1200">
+        <a:solidFill>
+          <a:schemeClr val="tx1"/>
+        </a:solidFill>
+        <a:latin typeface="+mn-lt"/>
+        <a:ea typeface="+mn-ea"/>
+        <a:cs typeface="+mn-cs"/>
+      </a:defRPr>
+    </a:lvl8pPr>
+    <a:lvl9pPr marL="3657600" algn="l" defTabSz="914400" rtl="0" eaLnBrk="1" latinLnBrk="0" hangingPunct="1">
+      <a:defRPr sz="1200" kern="1200">
+        <a:solidFill>
+          <a:schemeClr val="tx1"/>
+        </a:solidFill>
+        <a:latin typeface="+mn-lt"/>
+        <a:ea typeface="+mn-ea"/>
+        <a:cs typeface="+mn-cs"/>
+      </a:defRPr>
+    </a:lvl9pPr>
+  </p:notesStyle>
+</p:notesMaster>
+</file>
+
+<file path=ppt/notesSlides/notesSlide1.xml><?xml version="1.0" encoding="utf-8"?>
+<p:notes xmlns:a="http://schemas.openxmlformats.org/drawingml/2006/main" xmlns:r="http://schemas.openxmlformats.org/officeDocument/2006/relationships" xmlns:p="http://schemas.openxmlformats.org/presentationml/2006/main">
+  <p:cSld>
+    <p:spTree>
+      <p:nvGrpSpPr>
+        <p:cNvPr id="1" name=""/>
+        <p:cNvGrpSpPr/>
+        <p:nvPr/>
+      </p:nvGrpSpPr>
+      <p:grpSpPr>
+        <a:xfrm>
+          <a:off x="0" y="0"/>
+          <a:ext cx="0" cy="0"/>
+          <a:chOff x="0" y="0"/>
+          <a:chExt cx="0" cy="0"/>
+        </a:xfrm>
+      </p:grpSpPr>
+      <p:sp>
+        <p:nvSpPr>
+          <p:cNvPr id="2" name="Slide Image Placeholder 1"/>
+          <p:cNvSpPr>
+            <a:spLocks noGrp="1" noRot="1" noChangeAspect="1"/>
+          </p:cNvSpPr>
+          <p:nvPr>
+            <p:ph type="sldImg"/>
+          </p:nvPr>
+        </p:nvSpPr>
+        <p:spPr/>
+      </p:sp>
+      <p:sp>
+        <p:nvSpPr>
+          <p:cNvPr id="3" name="Notes Placeholder 2"/>
+          <p:cNvSpPr>
+            <a:spLocks noGrp="1"/>
+          </p:cNvSpPr>
+          <p:nvPr>
+            <p:ph type="body" idx="1"/>
+          </p:nvPr>
+        </p:nvSpPr>
+        <p:spPr/>
+        <p:txBody>
+          <a:bodyPr/>
+          <a:lstStyle/>
+          <a:p>
+            <a:r>
+              <a:rPr lang="en-US" dirty="0"/>
+              <a:t>Look’s like a sub-30 fs pulse. I don’t think the crystal can phase-match out to the longer wavelength side (the simulations show that the </a:t>
+            </a:r>
+            <a:r>
+              <a:rPr lang="en-US" dirty="0" err="1"/>
+              <a:t>sfg</a:t>
+            </a:r>
+            <a:r>
+              <a:rPr lang="en-US" dirty="0"/>
+              <a:t> light is very long wavelength).</a:t>
+            </a:r>
+          </a:p>
+        </p:txBody>
+      </p:sp>
+      <p:sp>
+        <p:nvSpPr>
+          <p:cNvPr id="4" name="Slide Number Placeholder 3"/>
+          <p:cNvSpPr>
+            <a:spLocks noGrp="1"/>
+          </p:cNvSpPr>
+          <p:nvPr>
+            <p:ph type="sldNum" sz="quarter" idx="5"/>
+          </p:nvPr>
+        </p:nvSpPr>
+        <p:spPr/>
+        <p:txBody>
+          <a:bodyPr/>
+          <a:lstStyle/>
+          <a:p>
+            <a:fld id="{04C4EE8E-9DCC-4AC0-820B-45B55A310CB3}" type="slidenum">
+              <a:rPr lang="en-US" smtClean="0"/>
+              <a:t>1</a:t>
+            </a:fld>
+            <a:endParaRPr lang="en-US"/>
+          </a:p>
+        </p:txBody>
+      </p:sp>
+    </p:spTree>
+    <p:extLst>
+      <p:ext uri="{BB962C8B-B14F-4D97-AF65-F5344CB8AC3E}">
+        <p14:creationId xmlns:p14="http://schemas.microsoft.com/office/powerpoint/2010/main" val="909153344"/>
+      </p:ext>
+    </p:extLst>
+  </p:cSld>
+  <p:clrMapOvr>
+    <a:masterClrMapping/>
+  </p:clrMapOvr>
+</p:notes>
 </file>
 
 <file path=ppt/slideLayouts/slideLayout1.xml><?xml version="1.0" encoding="utf-8"?>
@@ -3356,7 +3808,7 @@
             <p:nvPr/>
           </p:nvPicPr>
           <p:blipFill>
-            <a:blip r:embed="rId2"/>
+            <a:blip r:embed="rId3"/>
             <a:stretch>
               <a:fillRect/>
             </a:stretch>
@@ -3386,7 +3838,7 @@
             <p:nvPr/>
           </p:nvPicPr>
           <p:blipFill>
-            <a:blip r:embed="rId3"/>
+            <a:blip r:embed="rId4"/>
             <a:stretch>
               <a:fillRect/>
             </a:stretch>
@@ -3708,4 +4160,299 @@
     </a:ext>
   </a:extLst>
 </a:theme>
+</file>
+
+<file path=ppt/theme/theme2.xml><?xml version="1.0" encoding="utf-8"?>
+<a:theme xmlns:a="http://schemas.openxmlformats.org/drawingml/2006/main" name="Office Theme">
+  <a:themeElements>
+    <a:clrScheme name="Office">
+      <a:dk1>
+        <a:sysClr val="windowText" lastClr="000000"/>
+      </a:dk1>
+      <a:lt1>
+        <a:sysClr val="window" lastClr="FFFFFF"/>
+      </a:lt1>
+      <a:dk2>
+        <a:srgbClr val="44546A"/>
+      </a:dk2>
+      <a:lt2>
+        <a:srgbClr val="E7E6E6"/>
+      </a:lt2>
+      <a:accent1>
+        <a:srgbClr val="4472C4"/>
+      </a:accent1>
+      <a:accent2>
+        <a:srgbClr val="ED7D31"/>
+      </a:accent2>
+      <a:accent3>
+        <a:srgbClr val="A5A5A5"/>
+      </a:accent3>
+      <a:accent4>
+        <a:srgbClr val="FFC000"/>
+      </a:accent4>
+      <a:accent5>
+        <a:srgbClr val="5B9BD5"/>
+      </a:accent5>
+      <a:accent6>
+        <a:srgbClr val="70AD47"/>
+      </a:accent6>
+      <a:hlink>
+        <a:srgbClr val="0563C1"/>
+      </a:hlink>
+      <a:folHlink>
+        <a:srgbClr val="954F72"/>
+      </a:folHlink>
+    </a:clrScheme>
+    <a:fontScheme name="Office">
+      <a:majorFont>
+        <a:latin typeface="Calibri Light" panose="020F0302020204030204"/>
+        <a:ea typeface=""/>
+        <a:cs typeface=""/>
+        <a:font script="Jpan" typeface="游ゴシック Light"/>
+        <a:font script="Hang" typeface="맑은 고딕"/>
+        <a:font script="Hans" typeface="等线 Light"/>
+        <a:font script="Hant" typeface="新細明體"/>
+        <a:font script="Arab" typeface="Times New Roman"/>
+        <a:font script="Hebr" typeface="Times New Roman"/>
+        <a:font script="Thai" typeface="Angsana New"/>
+        <a:font script="Ethi" typeface="Nyala"/>
+        <a:font script="Beng" typeface="Vrinda"/>
+        <a:font script="Gujr" typeface="Shruti"/>
+        <a:font script="Khmr" typeface="MoolBoran"/>
+        <a:font script="Knda" typeface="Tunga"/>
+        <a:font script="Guru" typeface="Raavi"/>
+        <a:font script="Cans" typeface="Euphemia"/>
+        <a:font script="Cher" typeface="Plantagenet Cherokee"/>
+        <a:font script="Yiii" typeface="Microsoft Yi Baiti"/>
+        <a:font script="Tibt" typeface="Microsoft Himalaya"/>
+        <a:font script="Thaa" typeface="MV Boli"/>
+        <a:font script="Deva" typeface="Mangal"/>
+        <a:font script="Telu" typeface="Gautami"/>
+        <a:font script="Taml" typeface="Latha"/>
+        <a:font script="Syrc" typeface="Estrangelo Edessa"/>
+        <a:font script="Orya" typeface="Kalinga"/>
+        <a:font script="Mlym" typeface="Kartika"/>
+        <a:font script="Laoo" typeface="DokChampa"/>
+        <a:font script="Sinh" typeface="Iskoola Pota"/>
+        <a:font script="Mong" typeface="Mongolian Baiti"/>
+        <a:font script="Viet" typeface="Times New Roman"/>
+        <a:font script="Uigh" typeface="Microsoft Uighur"/>
+        <a:font script="Geor" typeface="Sylfaen"/>
+        <a:font script="Armn" typeface="Arial"/>
+        <a:font script="Bugi" typeface="Leelawadee UI"/>
+        <a:font script="Bopo" typeface="Microsoft JhengHei"/>
+        <a:font script="Java" typeface="Javanese Text"/>
+        <a:font script="Lisu" typeface="Segoe UI"/>
+        <a:font script="Mymr" typeface="Myanmar Text"/>
+        <a:font script="Nkoo" typeface="Ebrima"/>
+        <a:font script="Olck" typeface="Nirmala UI"/>
+        <a:font script="Osma" typeface="Ebrima"/>
+        <a:font script="Phag" typeface="Phagspa"/>
+        <a:font script="Syrn" typeface="Estrangelo Edessa"/>
+        <a:font script="Syrj" typeface="Estrangelo Edessa"/>
+        <a:font script="Syre" typeface="Estrangelo Edessa"/>
+        <a:font script="Sora" typeface="Nirmala UI"/>
+        <a:font script="Tale" typeface="Microsoft Tai Le"/>
+        <a:font script="Talu" typeface="Microsoft New Tai Lue"/>
+        <a:font script="Tfng" typeface="Ebrima"/>
+      </a:majorFont>
+      <a:minorFont>
+        <a:latin typeface="Calibri" panose="020F0502020204030204"/>
+        <a:ea typeface=""/>
+        <a:cs typeface=""/>
+        <a:font script="Jpan" typeface="游ゴシック"/>
+        <a:font script="Hang" typeface="맑은 고딕"/>
+        <a:font script="Hans" typeface="等线"/>
+        <a:font script="Hant" typeface="新細明體"/>
+        <a:font script="Arab" typeface="Arial"/>
+        <a:font script="Hebr" typeface="Arial"/>
+        <a:font script="Thai" typeface="Cordia New"/>
+        <a:font script="Ethi" typeface="Nyala"/>
+        <a:font script="Beng" typeface="Vrinda"/>
+        <a:font script="Gujr" typeface="Shruti"/>
+        <a:font script="Khmr" typeface="DaunPenh"/>
+        <a:font script="Knda" typeface="Tunga"/>
+        <a:font script="Guru" typeface="Raavi"/>
+        <a:font script="Cans" typeface="Euphemia"/>
+        <a:font script="Cher" typeface="Plantagenet Cherokee"/>
+        <a:font script="Yiii" typeface="Microsoft Yi Baiti"/>
+        <a:font script="Tibt" typeface="Microsoft Himalaya"/>
+        <a:font script="Thaa" typeface="MV Boli"/>
+        <a:font script="Deva" typeface="Mangal"/>
+        <a:font script="Telu" typeface="Gautami"/>
+        <a:font script="Taml" typeface="Latha"/>
+        <a:font script="Syrc" typeface="Estrangelo Edessa"/>
+        <a:font script="Orya" typeface="Kalinga"/>
+        <a:font script="Mlym" typeface="Kartika"/>
+        <a:font script="Laoo" typeface="DokChampa"/>
+        <a:font script="Sinh" typeface="Iskoola Pota"/>
+        <a:font script="Mong" typeface="Mongolian Baiti"/>
+        <a:font script="Viet" typeface="Arial"/>
+        <a:font script="Uigh" typeface="Microsoft Uighur"/>
+        <a:font script="Geor" typeface="Sylfaen"/>
+        <a:font script="Armn" typeface="Arial"/>
+        <a:font script="Bugi" typeface="Leelawadee UI"/>
+        <a:font script="Bopo" typeface="Microsoft JhengHei"/>
+        <a:font script="Java" typeface="Javanese Text"/>
+        <a:font script="Lisu" typeface="Segoe UI"/>
+        <a:font script="Mymr" typeface="Myanmar Text"/>
+        <a:font script="Nkoo" typeface="Ebrima"/>
+        <a:font script="Olck" typeface="Nirmala UI"/>
+        <a:font script="Osma" typeface="Ebrima"/>
+        <a:font script="Phag" typeface="Phagspa"/>
+        <a:font script="Syrn" typeface="Estrangelo Edessa"/>
+        <a:font script="Syrj" typeface="Estrangelo Edessa"/>
+        <a:font script="Syre" typeface="Estrangelo Edessa"/>
+        <a:font script="Sora" typeface="Nirmala UI"/>
+        <a:font script="Tale" typeface="Microsoft Tai Le"/>
+        <a:font script="Talu" typeface="Microsoft New Tai Lue"/>
+        <a:font script="Tfng" typeface="Ebrima"/>
+      </a:minorFont>
+    </a:fontScheme>
+    <a:fmtScheme name="Office">
+      <a:fillStyleLst>
+        <a:solidFill>
+          <a:schemeClr val="phClr"/>
+        </a:solidFill>
+        <a:gradFill rotWithShape="1">
+          <a:gsLst>
+            <a:gs pos="0">
+              <a:schemeClr val="phClr">
+                <a:lumMod val="110000"/>
+                <a:satMod val="105000"/>
+                <a:tint val="67000"/>
+              </a:schemeClr>
+            </a:gs>
+            <a:gs pos="50000">
+              <a:schemeClr val="phClr">
+                <a:lumMod val="105000"/>
+                <a:satMod val="103000"/>
+                <a:tint val="73000"/>
+              </a:schemeClr>
+            </a:gs>
+            <a:gs pos="100000">
+              <a:schemeClr val="phClr">
+                <a:lumMod val="105000"/>
+                <a:satMod val="109000"/>
+                <a:tint val="81000"/>
+              </a:schemeClr>
+            </a:gs>
+          </a:gsLst>
+          <a:lin ang="5400000" scaled="0"/>
+        </a:gradFill>
+        <a:gradFill rotWithShape="1">
+          <a:gsLst>
+            <a:gs pos="0">
+              <a:schemeClr val="phClr">
+                <a:satMod val="103000"/>
+                <a:lumMod val="102000"/>
+                <a:tint val="94000"/>
+              </a:schemeClr>
+            </a:gs>
+            <a:gs pos="50000">
+              <a:schemeClr val="phClr">
+                <a:satMod val="110000"/>
+                <a:lumMod val="100000"/>
+                <a:shade val="100000"/>
+              </a:schemeClr>
+            </a:gs>
+            <a:gs pos="100000">
+              <a:schemeClr val="phClr">
+                <a:lumMod val="99000"/>
+                <a:satMod val="120000"/>
+                <a:shade val="78000"/>
+              </a:schemeClr>
+            </a:gs>
+          </a:gsLst>
+          <a:lin ang="5400000" scaled="0"/>
+        </a:gradFill>
+      </a:fillStyleLst>
+      <a:lnStyleLst>
+        <a:ln w="6350" cap="flat" cmpd="sng" algn="ctr">
+          <a:solidFill>
+            <a:schemeClr val="phClr"/>
+          </a:solidFill>
+          <a:prstDash val="solid"/>
+          <a:miter lim="800000"/>
+        </a:ln>
+        <a:ln w="12700" cap="flat" cmpd="sng" algn="ctr">
+          <a:solidFill>
+            <a:schemeClr val="phClr"/>
+          </a:solidFill>
+          <a:prstDash val="solid"/>
+          <a:miter lim="800000"/>
+        </a:ln>
+        <a:ln w="19050" cap="flat" cmpd="sng" algn="ctr">
+          <a:solidFill>
+            <a:schemeClr val="phClr"/>
+          </a:solidFill>
+          <a:prstDash val="solid"/>
+          <a:miter lim="800000"/>
+        </a:ln>
+      </a:lnStyleLst>
+      <a:effectStyleLst>
+        <a:effectStyle>
+          <a:effectLst/>
+        </a:effectStyle>
+        <a:effectStyle>
+          <a:effectLst/>
+        </a:effectStyle>
+        <a:effectStyle>
+          <a:effectLst>
+            <a:outerShdw blurRad="57150" dist="19050" dir="5400000" algn="ctr" rotWithShape="0">
+              <a:srgbClr val="000000">
+                <a:alpha val="63000"/>
+              </a:srgbClr>
+            </a:outerShdw>
+          </a:effectLst>
+        </a:effectStyle>
+      </a:effectStyleLst>
+      <a:bgFillStyleLst>
+        <a:solidFill>
+          <a:schemeClr val="phClr"/>
+        </a:solidFill>
+        <a:solidFill>
+          <a:schemeClr val="phClr">
+            <a:tint val="95000"/>
+            <a:satMod val="170000"/>
+          </a:schemeClr>
+        </a:solidFill>
+        <a:gradFill rotWithShape="1">
+          <a:gsLst>
+            <a:gs pos="0">
+              <a:schemeClr val="phClr">
+                <a:tint val="93000"/>
+                <a:satMod val="150000"/>
+                <a:shade val="98000"/>
+                <a:lumMod val="102000"/>
+              </a:schemeClr>
+            </a:gs>
+            <a:gs pos="50000">
+              <a:schemeClr val="phClr">
+                <a:tint val="98000"/>
+                <a:satMod val="130000"/>
+                <a:shade val="90000"/>
+                <a:lumMod val="103000"/>
+              </a:schemeClr>
+            </a:gs>
+            <a:gs pos="100000">
+              <a:schemeClr val="phClr">
+                <a:shade val="63000"/>
+                <a:satMod val="120000"/>
+              </a:schemeClr>
+            </a:gs>
+          </a:gsLst>
+          <a:lin ang="5400000" scaled="0"/>
+        </a:gradFill>
+      </a:bgFillStyleLst>
+    </a:fmtScheme>
+  </a:themeElements>
+  <a:objectDefaults/>
+  <a:extraClrSchemeLst/>
+  <a:extLst>
+    <a:ext uri="{05A4C25C-085E-4340-85A3-A5531E510DB2}">
+      <thm15:themeFamily xmlns:thm15="http://schemas.microsoft.com/office/thememl/2012/main" name="Office Theme" id="{62F939B6-93AF-4DB8-9C6B-D6C7DFDC589F}" vid="{4A3C46E8-61CC-4603-A589-7422A47A8E4A}"/>
+    </a:ext>
+  </a:extLst>
+</a:theme>
 </file>
--- a/07-31-2023/garrett_frog.pptx
+++ b/07-31-2023/garrett_frog.pptx
@@ -197,7 +197,7 @@
           <a:p>
             <a:fld id="{4C1D2A77-936C-44B6-87B7-92F43A41BC76}" type="datetimeFigureOut">
               <a:rPr lang="en-US" smtClean="0"/>
-              <a:t>7/31/2023</a:t>
+              <a:t>8/9/2023</a:t>
             </a:fld>
             <a:endParaRPr lang="en-US"/>
           </a:p>
@@ -706,7 +706,7 @@
           <a:p>
             <a:fld id="{898E8282-90CF-4406-8164-F3B7350650BC}" type="datetimeFigureOut">
               <a:rPr lang="en-US" smtClean="0"/>
-              <a:t>7/31/2023</a:t>
+              <a:t>8/9/2023</a:t>
             </a:fld>
             <a:endParaRPr lang="en-US"/>
           </a:p>
@@ -904,7 +904,7 @@
           <a:p>
             <a:fld id="{898E8282-90CF-4406-8164-F3B7350650BC}" type="datetimeFigureOut">
               <a:rPr lang="en-US" smtClean="0"/>
-              <a:t>7/31/2023</a:t>
+              <a:t>8/9/2023</a:t>
             </a:fld>
             <a:endParaRPr lang="en-US"/>
           </a:p>
@@ -1112,7 +1112,7 @@
           <a:p>
             <a:fld id="{898E8282-90CF-4406-8164-F3B7350650BC}" type="datetimeFigureOut">
               <a:rPr lang="en-US" smtClean="0"/>
-              <a:t>7/31/2023</a:t>
+              <a:t>8/9/2023</a:t>
             </a:fld>
             <a:endParaRPr lang="en-US"/>
           </a:p>
@@ -1310,7 +1310,7 @@
           <a:p>
             <a:fld id="{898E8282-90CF-4406-8164-F3B7350650BC}" type="datetimeFigureOut">
               <a:rPr lang="en-US" smtClean="0"/>
-              <a:t>7/31/2023</a:t>
+              <a:t>8/9/2023</a:t>
             </a:fld>
             <a:endParaRPr lang="en-US"/>
           </a:p>
@@ -1585,7 +1585,7 @@
           <a:p>
             <a:fld id="{898E8282-90CF-4406-8164-F3B7350650BC}" type="datetimeFigureOut">
               <a:rPr lang="en-US" smtClean="0"/>
-              <a:t>7/31/2023</a:t>
+              <a:t>8/9/2023</a:t>
             </a:fld>
             <a:endParaRPr lang="en-US"/>
           </a:p>
@@ -1850,7 +1850,7 @@
           <a:p>
             <a:fld id="{898E8282-90CF-4406-8164-F3B7350650BC}" type="datetimeFigureOut">
               <a:rPr lang="en-US" smtClean="0"/>
-              <a:t>7/31/2023</a:t>
+              <a:t>8/9/2023</a:t>
             </a:fld>
             <a:endParaRPr lang="en-US"/>
           </a:p>
@@ -2262,7 +2262,7 @@
           <a:p>
             <a:fld id="{898E8282-90CF-4406-8164-F3B7350650BC}" type="datetimeFigureOut">
               <a:rPr lang="en-US" smtClean="0"/>
-              <a:t>7/31/2023</a:t>
+              <a:t>8/9/2023</a:t>
             </a:fld>
             <a:endParaRPr lang="en-US"/>
           </a:p>
@@ -2403,7 +2403,7 @@
           <a:p>
             <a:fld id="{898E8282-90CF-4406-8164-F3B7350650BC}" type="datetimeFigureOut">
               <a:rPr lang="en-US" smtClean="0"/>
-              <a:t>7/31/2023</a:t>
+              <a:t>8/9/2023</a:t>
             </a:fld>
             <a:endParaRPr lang="en-US"/>
           </a:p>
@@ -2516,7 +2516,7 @@
           <a:p>
             <a:fld id="{898E8282-90CF-4406-8164-F3B7350650BC}" type="datetimeFigureOut">
               <a:rPr lang="en-US" smtClean="0"/>
-              <a:t>7/31/2023</a:t>
+              <a:t>8/9/2023</a:t>
             </a:fld>
             <a:endParaRPr lang="en-US"/>
           </a:p>
@@ -2827,7 +2827,7 @@
           <a:p>
             <a:fld id="{898E8282-90CF-4406-8164-F3B7350650BC}" type="datetimeFigureOut">
               <a:rPr lang="en-US" smtClean="0"/>
-              <a:t>7/31/2023</a:t>
+              <a:t>8/9/2023</a:t>
             </a:fld>
             <a:endParaRPr lang="en-US"/>
           </a:p>
@@ -3115,7 +3115,7 @@
           <a:p>
             <a:fld id="{898E8282-90CF-4406-8164-F3B7350650BC}" type="datetimeFigureOut">
               <a:rPr lang="en-US" smtClean="0"/>
-              <a:t>7/31/2023</a:t>
+              <a:t>8/9/2023</a:t>
             </a:fld>
             <a:endParaRPr lang="en-US"/>
           </a:p>
@@ -3356,7 +3356,7 @@
           <a:p>
             <a:fld id="{898E8282-90CF-4406-8164-F3B7350650BC}" type="datetimeFigureOut">
               <a:rPr lang="en-US" smtClean="0"/>
-              <a:t>7/31/2023</a:t>
+              <a:t>8/9/2023</a:t>
             </a:fld>
             <a:endParaRPr lang="en-US"/>
           </a:p>
@@ -3775,10 +3775,10 @@
       </p:grpSpPr>
       <p:grpSp>
         <p:nvGrpSpPr>
-          <p:cNvPr id="8" name="Group 7">
-            <a:extLst>
-              <a:ext uri="{FF2B5EF4-FFF2-40B4-BE49-F238E27FC236}">
-                <a16:creationId xmlns:a16="http://schemas.microsoft.com/office/drawing/2014/main" id="{984B2CEA-8FDC-BA45-A513-355343CA1724}"/>
+          <p:cNvPr id="19" name="Group 18">
+            <a:extLst>
+              <a:ext uri="{FF2B5EF4-FFF2-40B4-BE49-F238E27FC236}">
+                <a16:creationId xmlns:a16="http://schemas.microsoft.com/office/drawing/2014/main" id="{973C48F2-18B0-43CA-E632-E8C8A95C55B5}"/>
               </a:ext>
             </a:extLst>
           </p:cNvPr>
@@ -3787,18 +3787,18 @@
         </p:nvGrpSpPr>
         <p:grpSpPr>
           <a:xfrm>
-            <a:off x="-4" y="1142998"/>
-            <a:ext cx="12192004" cy="4572003"/>
-            <a:chOff x="243828" y="1051553"/>
+            <a:off x="0" y="1143000"/>
+            <a:ext cx="12192000" cy="4572001"/>
+            <a:chOff x="0" y="731519"/>
             <a:chExt cx="11704344" cy="4389130"/>
           </a:xfrm>
         </p:grpSpPr>
         <p:pic>
           <p:nvPicPr>
-            <p:cNvPr id="5" name="Picture 4">
+            <p:cNvPr id="16" name="Picture 15" descr="A screenshot of a graph&#10;&#10;Description automatically generated">
               <a:extLst>
                 <a:ext uri="{FF2B5EF4-FFF2-40B4-BE49-F238E27FC236}">
-                  <a16:creationId xmlns:a16="http://schemas.microsoft.com/office/drawing/2014/main" id="{947C9654-691C-0393-EC4C-2516C5E6269D}"/>
+                  <a16:creationId xmlns:a16="http://schemas.microsoft.com/office/drawing/2014/main" id="{AA023E7F-13FE-CA84-4F26-6D2DCCAE1AAB}"/>
                 </a:ext>
               </a:extLst>
             </p:cNvPr>
@@ -3808,14 +3808,20 @@
             <p:nvPr/>
           </p:nvPicPr>
           <p:blipFill>
-            <a:blip r:embed="rId3"/>
+            <a:blip r:embed="rId3">
+              <a:extLst>
+                <a:ext uri="{28A0092B-C50C-407E-A947-70E740481C1C}">
+                  <a14:useLocalDpi xmlns:a14="http://schemas.microsoft.com/office/drawing/2010/main" val="0"/>
+                </a:ext>
+              </a:extLst>
+            </a:blip>
             <a:stretch>
               <a:fillRect/>
             </a:stretch>
           </p:blipFill>
           <p:spPr>
             <a:xfrm>
-              <a:off x="243828" y="1051553"/>
+              <a:off x="0" y="731520"/>
               <a:ext cx="5852172" cy="4389129"/>
             </a:xfrm>
             <a:prstGeom prst="rect">
@@ -3825,10 +3831,10 @@
         </p:pic>
         <p:pic>
           <p:nvPicPr>
-            <p:cNvPr id="7" name="Picture 6">
+            <p:cNvPr id="18" name="Picture 17" descr="A screenshot of a computer screen&#10;&#10;Description automatically generated">
               <a:extLst>
                 <a:ext uri="{FF2B5EF4-FFF2-40B4-BE49-F238E27FC236}">
-                  <a16:creationId xmlns:a16="http://schemas.microsoft.com/office/drawing/2014/main" id="{578921F7-F3ED-0D15-6104-5CE86ED5D494}"/>
+                  <a16:creationId xmlns:a16="http://schemas.microsoft.com/office/drawing/2014/main" id="{56CD513A-3385-F470-BA19-B17BCD0B1A6E}"/>
                 </a:ext>
               </a:extLst>
             </p:cNvPr>
@@ -3838,14 +3844,20 @@
             <p:nvPr/>
           </p:nvPicPr>
           <p:blipFill>
-            <a:blip r:embed="rId4"/>
+            <a:blip r:embed="rId4">
+              <a:extLst>
+                <a:ext uri="{28A0092B-C50C-407E-A947-70E740481C1C}">
+                  <a14:useLocalDpi xmlns:a14="http://schemas.microsoft.com/office/drawing/2010/main" val="0"/>
+                </a:ext>
+              </a:extLst>
+            </a:blip>
             <a:stretch>
               <a:fillRect/>
             </a:stretch>
           </p:blipFill>
           <p:spPr>
             <a:xfrm>
-              <a:off x="6096000" y="1051554"/>
+              <a:off x="5852172" y="731519"/>
               <a:ext cx="5852172" cy="4389129"/>
             </a:xfrm>
             <a:prstGeom prst="rect">

--- a/07-31-2023/garrett_frog.pptx
+++ b/07-31-2023/garrett_frog.pptx
@@ -197,7 +197,7 @@
           <a:p>
             <a:fld id="{4C1D2A77-936C-44B6-87B7-92F43A41BC76}" type="datetimeFigureOut">
               <a:rPr lang="en-US" smtClean="0"/>
-              <a:t>8/9/2023</a:t>
+              <a:t>8/9/23</a:t>
             </a:fld>
             <a:endParaRPr lang="en-US"/>
           </a:p>
@@ -706,7 +706,7 @@
           <a:p>
             <a:fld id="{898E8282-90CF-4406-8164-F3B7350650BC}" type="datetimeFigureOut">
               <a:rPr lang="en-US" smtClean="0"/>
-              <a:t>8/9/2023</a:t>
+              <a:t>8/9/23</a:t>
             </a:fld>
             <a:endParaRPr lang="en-US"/>
           </a:p>
@@ -904,7 +904,7 @@
           <a:p>
             <a:fld id="{898E8282-90CF-4406-8164-F3B7350650BC}" type="datetimeFigureOut">
               <a:rPr lang="en-US" smtClean="0"/>
-              <a:t>8/9/2023</a:t>
+              <a:t>8/9/23</a:t>
             </a:fld>
             <a:endParaRPr lang="en-US"/>
           </a:p>
@@ -1112,7 +1112,7 @@
           <a:p>
             <a:fld id="{898E8282-90CF-4406-8164-F3B7350650BC}" type="datetimeFigureOut">
               <a:rPr lang="en-US" smtClean="0"/>
-              <a:t>8/9/2023</a:t>
+              <a:t>8/9/23</a:t>
             </a:fld>
             <a:endParaRPr lang="en-US"/>
           </a:p>
@@ -1310,7 +1310,7 @@
           <a:p>
             <a:fld id="{898E8282-90CF-4406-8164-F3B7350650BC}" type="datetimeFigureOut">
               <a:rPr lang="en-US" smtClean="0"/>
-              <a:t>8/9/2023</a:t>
+              <a:t>8/9/23</a:t>
             </a:fld>
             <a:endParaRPr lang="en-US"/>
           </a:p>
@@ -1585,7 +1585,7 @@
           <a:p>
             <a:fld id="{898E8282-90CF-4406-8164-F3B7350650BC}" type="datetimeFigureOut">
               <a:rPr lang="en-US" smtClean="0"/>
-              <a:t>8/9/2023</a:t>
+              <a:t>8/9/23</a:t>
             </a:fld>
             <a:endParaRPr lang="en-US"/>
           </a:p>
@@ -1850,7 +1850,7 @@
           <a:p>
             <a:fld id="{898E8282-90CF-4406-8164-F3B7350650BC}" type="datetimeFigureOut">
               <a:rPr lang="en-US" smtClean="0"/>
-              <a:t>8/9/2023</a:t>
+              <a:t>8/9/23</a:t>
             </a:fld>
             <a:endParaRPr lang="en-US"/>
           </a:p>
@@ -2262,7 +2262,7 @@
           <a:p>
             <a:fld id="{898E8282-90CF-4406-8164-F3B7350650BC}" type="datetimeFigureOut">
               <a:rPr lang="en-US" smtClean="0"/>
-              <a:t>8/9/2023</a:t>
+              <a:t>8/9/23</a:t>
             </a:fld>
             <a:endParaRPr lang="en-US"/>
           </a:p>
@@ -2403,7 +2403,7 @@
           <a:p>
             <a:fld id="{898E8282-90CF-4406-8164-F3B7350650BC}" type="datetimeFigureOut">
               <a:rPr lang="en-US" smtClean="0"/>
-              <a:t>8/9/2023</a:t>
+              <a:t>8/9/23</a:t>
             </a:fld>
             <a:endParaRPr lang="en-US"/>
           </a:p>
@@ -2516,7 +2516,7 @@
           <a:p>
             <a:fld id="{898E8282-90CF-4406-8164-F3B7350650BC}" type="datetimeFigureOut">
               <a:rPr lang="en-US" smtClean="0"/>
-              <a:t>8/9/2023</a:t>
+              <a:t>8/9/23</a:t>
             </a:fld>
             <a:endParaRPr lang="en-US"/>
           </a:p>
@@ -2827,7 +2827,7 @@
           <a:p>
             <a:fld id="{898E8282-90CF-4406-8164-F3B7350650BC}" type="datetimeFigureOut">
               <a:rPr lang="en-US" smtClean="0"/>
-              <a:t>8/9/2023</a:t>
+              <a:t>8/9/23</a:t>
             </a:fld>
             <a:endParaRPr lang="en-US"/>
           </a:p>
@@ -3115,7 +3115,7 @@
           <a:p>
             <a:fld id="{898E8282-90CF-4406-8164-F3B7350650BC}" type="datetimeFigureOut">
               <a:rPr lang="en-US" smtClean="0"/>
-              <a:t>8/9/2023</a:t>
+              <a:t>8/9/23</a:t>
             </a:fld>
             <a:endParaRPr lang="en-US"/>
           </a:p>
@@ -3356,7 +3356,7 @@
           <a:p>
             <a:fld id="{898E8282-90CF-4406-8164-F3B7350650BC}" type="datetimeFigureOut">
               <a:rPr lang="en-US" smtClean="0"/>
-              <a:t>8/9/2023</a:t>
+              <a:t>8/9/23</a:t>
             </a:fld>
             <a:endParaRPr lang="en-US"/>
           </a:p>
@@ -3775,10 +3775,10 @@
       </p:grpSpPr>
       <p:grpSp>
         <p:nvGrpSpPr>
-          <p:cNvPr id="19" name="Group 18">
-            <a:extLst>
-              <a:ext uri="{FF2B5EF4-FFF2-40B4-BE49-F238E27FC236}">
-                <a16:creationId xmlns:a16="http://schemas.microsoft.com/office/drawing/2014/main" id="{973C48F2-18B0-43CA-E632-E8C8A95C55B5}"/>
+          <p:cNvPr id="22" name="Group 21">
+            <a:extLst>
+              <a:ext uri="{FF2B5EF4-FFF2-40B4-BE49-F238E27FC236}">
+                <a16:creationId xmlns:a16="http://schemas.microsoft.com/office/drawing/2014/main" id="{C3940AD8-2000-28DC-501E-223FC511691C}"/>
               </a:ext>
             </a:extLst>
           </p:cNvPr>
@@ -3788,83 +3788,275 @@
         <p:grpSpPr>
           <a:xfrm>
             <a:off x="0" y="1143000"/>
-            <a:ext cx="12192000" cy="4572001"/>
-            <a:chOff x="0" y="731519"/>
-            <a:chExt cx="11704344" cy="4389130"/>
+            <a:ext cx="12192000" cy="4572000"/>
+            <a:chOff x="0" y="1143000"/>
+            <a:chExt cx="12192000" cy="4572000"/>
           </a:xfrm>
         </p:grpSpPr>
-        <p:pic>
-          <p:nvPicPr>
-            <p:cNvPr id="16" name="Picture 15" descr="A screenshot of a graph&#10;&#10;Description automatically generated">
+        <p:grpSp>
+          <p:nvGrpSpPr>
+            <p:cNvPr id="21" name="Group 20">
               <a:extLst>
                 <a:ext uri="{FF2B5EF4-FFF2-40B4-BE49-F238E27FC236}">
-                  <a16:creationId xmlns:a16="http://schemas.microsoft.com/office/drawing/2014/main" id="{AA023E7F-13FE-CA84-4F26-6D2DCCAE1AAB}"/>
+                  <a16:creationId xmlns:a16="http://schemas.microsoft.com/office/drawing/2014/main" id="{A28C56BE-FCCD-9C17-145A-75F73287A5B8}"/>
                 </a:ext>
               </a:extLst>
             </p:cNvPr>
-            <p:cNvPicPr>
-              <a:picLocks noChangeAspect="1"/>
-            </p:cNvPicPr>
+            <p:cNvGrpSpPr/>
             <p:nvPr/>
-          </p:nvPicPr>
-          <p:blipFill>
-            <a:blip r:embed="rId3">
-              <a:extLst>
-                <a:ext uri="{28A0092B-C50C-407E-A947-70E740481C1C}">
-                  <a14:useLocalDpi xmlns:a14="http://schemas.microsoft.com/office/drawing/2010/main" val="0"/>
-                </a:ext>
-              </a:extLst>
-            </a:blip>
-            <a:stretch>
-              <a:fillRect/>
-            </a:stretch>
-          </p:blipFill>
-          <p:spPr>
+          </p:nvGrpSpPr>
+          <p:grpSpPr>
             <a:xfrm>
-              <a:off x="0" y="731520"/>
-              <a:ext cx="5852172" cy="4389129"/>
+              <a:off x="0" y="1143000"/>
+              <a:ext cx="6096000" cy="4572000"/>
+              <a:chOff x="3048000" y="0"/>
+              <a:chExt cx="6096000" cy="4572000"/>
             </a:xfrm>
-            <a:prstGeom prst="rect">
-              <a:avLst/>
-            </a:prstGeom>
-          </p:spPr>
-        </p:pic>
-        <p:pic>
-          <p:nvPicPr>
-            <p:cNvPr id="18" name="Picture 17" descr="A screenshot of a computer screen&#10;&#10;Description automatically generated">
+          </p:grpSpPr>
+          <p:grpSp>
+            <p:nvGrpSpPr>
+              <p:cNvPr id="13" name="Group 12">
+                <a:extLst>
+                  <a:ext uri="{FF2B5EF4-FFF2-40B4-BE49-F238E27FC236}">
+                    <a16:creationId xmlns:a16="http://schemas.microsoft.com/office/drawing/2014/main" id="{0AC9750B-5D1B-E02E-FA02-EECD320E9608}"/>
+                  </a:ext>
+                </a:extLst>
+              </p:cNvPr>
+              <p:cNvGrpSpPr/>
+              <p:nvPr/>
+            </p:nvGrpSpPr>
+            <p:grpSpPr>
+              <a:xfrm>
+                <a:off x="3048000" y="0"/>
+                <a:ext cx="6096000" cy="2286000"/>
+                <a:chOff x="0" y="0"/>
+                <a:chExt cx="15544800" cy="5829300"/>
+              </a:xfrm>
+            </p:grpSpPr>
+            <p:pic>
+              <p:nvPicPr>
+                <p:cNvPr id="11" name="Picture 10">
+                  <a:extLst>
+                    <a:ext uri="{FF2B5EF4-FFF2-40B4-BE49-F238E27FC236}">
+                      <a16:creationId xmlns:a16="http://schemas.microsoft.com/office/drawing/2014/main" id="{F3BFABA9-C3F6-D101-700C-636193943202}"/>
+                    </a:ext>
+                  </a:extLst>
+                </p:cNvPr>
+                <p:cNvPicPr>
+                  <a:picLocks noChangeAspect="1"/>
+                </p:cNvPicPr>
+                <p:nvPr/>
+              </p:nvPicPr>
+              <p:blipFill>
+                <a:blip r:embed="rId3"/>
+                <a:stretch>
+                  <a:fillRect/>
+                </a:stretch>
+              </p:blipFill>
+              <p:spPr>
+                <a:xfrm>
+                  <a:off x="0" y="0"/>
+                  <a:ext cx="7772400" cy="5829300"/>
+                </a:xfrm>
+                <a:prstGeom prst="rect">
+                  <a:avLst/>
+                </a:prstGeom>
+              </p:spPr>
+            </p:pic>
+            <p:pic>
+              <p:nvPicPr>
+                <p:cNvPr id="12" name="Picture 11">
+                  <a:extLst>
+                    <a:ext uri="{FF2B5EF4-FFF2-40B4-BE49-F238E27FC236}">
+                      <a16:creationId xmlns:a16="http://schemas.microsoft.com/office/drawing/2014/main" id="{CA8016B0-CAA2-5659-104E-EE8944D2B90E}"/>
+                    </a:ext>
+                  </a:extLst>
+                </p:cNvPr>
+                <p:cNvPicPr>
+                  <a:picLocks noChangeAspect="1"/>
+                </p:cNvPicPr>
+                <p:nvPr/>
+              </p:nvPicPr>
+              <p:blipFill>
+                <a:blip r:embed="rId4"/>
+                <a:stretch>
+                  <a:fillRect/>
+                </a:stretch>
+              </p:blipFill>
+              <p:spPr>
+                <a:xfrm>
+                  <a:off x="7772400" y="0"/>
+                  <a:ext cx="7772400" cy="5829300"/>
+                </a:xfrm>
+                <a:prstGeom prst="rect">
+                  <a:avLst/>
+                </a:prstGeom>
+              </p:spPr>
+            </p:pic>
+          </p:grpSp>
+          <p:grpSp>
+            <p:nvGrpSpPr>
+              <p:cNvPr id="14" name="Group 13">
+                <a:extLst>
+                  <a:ext uri="{FF2B5EF4-FFF2-40B4-BE49-F238E27FC236}">
+                    <a16:creationId xmlns:a16="http://schemas.microsoft.com/office/drawing/2014/main" id="{33EFECF3-8FCC-43A6-02BF-E839D5403752}"/>
+                  </a:ext>
+                </a:extLst>
+              </p:cNvPr>
+              <p:cNvGrpSpPr/>
+              <p:nvPr/>
+            </p:nvGrpSpPr>
+            <p:grpSpPr>
+              <a:xfrm>
+                <a:off x="3048000" y="2286000"/>
+                <a:ext cx="6096000" cy="2286000"/>
+                <a:chOff x="-327211" y="514350"/>
+                <a:chExt cx="15544800" cy="5829300"/>
+              </a:xfrm>
+            </p:grpSpPr>
+            <p:pic>
+              <p:nvPicPr>
+                <p:cNvPr id="15" name="Picture 14">
+                  <a:extLst>
+                    <a:ext uri="{FF2B5EF4-FFF2-40B4-BE49-F238E27FC236}">
+                      <a16:creationId xmlns:a16="http://schemas.microsoft.com/office/drawing/2014/main" id="{3067EA85-480D-760E-C68C-A4B64661C660}"/>
+                    </a:ext>
+                  </a:extLst>
+                </p:cNvPr>
+                <p:cNvPicPr>
+                  <a:picLocks noChangeAspect="1"/>
+                </p:cNvPicPr>
+                <p:nvPr/>
+              </p:nvPicPr>
+              <p:blipFill>
+                <a:blip r:embed="rId5"/>
+                <a:stretch>
+                  <a:fillRect/>
+                </a:stretch>
+              </p:blipFill>
+              <p:spPr>
+                <a:xfrm>
+                  <a:off x="-327211" y="514350"/>
+                  <a:ext cx="7772400" cy="5829300"/>
+                </a:xfrm>
+                <a:prstGeom prst="rect">
+                  <a:avLst/>
+                </a:prstGeom>
+              </p:spPr>
+            </p:pic>
+            <p:pic>
+              <p:nvPicPr>
+                <p:cNvPr id="16" name="Picture 15">
+                  <a:extLst>
+                    <a:ext uri="{FF2B5EF4-FFF2-40B4-BE49-F238E27FC236}">
+                      <a16:creationId xmlns:a16="http://schemas.microsoft.com/office/drawing/2014/main" id="{D90D3A31-475D-35C9-60E5-C31D180CF417}"/>
+                    </a:ext>
+                  </a:extLst>
+                </p:cNvPr>
+                <p:cNvPicPr>
+                  <a:picLocks noChangeAspect="1"/>
+                </p:cNvPicPr>
+                <p:nvPr/>
+              </p:nvPicPr>
+              <p:blipFill>
+                <a:blip r:embed="rId6"/>
+                <a:stretch>
+                  <a:fillRect/>
+                </a:stretch>
+              </p:blipFill>
+              <p:spPr>
+                <a:xfrm>
+                  <a:off x="7445189" y="514350"/>
+                  <a:ext cx="7772400" cy="5829300"/>
+                </a:xfrm>
+                <a:prstGeom prst="rect">
+                  <a:avLst/>
+                </a:prstGeom>
+              </p:spPr>
+            </p:pic>
+          </p:grpSp>
+        </p:grpSp>
+        <p:grpSp>
+          <p:nvGrpSpPr>
+            <p:cNvPr id="17" name="Group 16">
               <a:extLst>
                 <a:ext uri="{FF2B5EF4-FFF2-40B4-BE49-F238E27FC236}">
-                  <a16:creationId xmlns:a16="http://schemas.microsoft.com/office/drawing/2014/main" id="{56CD513A-3385-F470-BA19-B17BCD0B1A6E}"/>
+                  <a16:creationId xmlns:a16="http://schemas.microsoft.com/office/drawing/2014/main" id="{361889B6-5FD5-4C26-B774-09C2C976BD6A}"/>
                 </a:ext>
               </a:extLst>
             </p:cNvPr>
-            <p:cNvPicPr>
-              <a:picLocks noChangeAspect="1"/>
-            </p:cNvPicPr>
+            <p:cNvGrpSpPr/>
             <p:nvPr/>
-          </p:nvPicPr>
-          <p:blipFill>
-            <a:blip r:embed="rId4">
-              <a:extLst>
-                <a:ext uri="{28A0092B-C50C-407E-A947-70E740481C1C}">
-                  <a14:useLocalDpi xmlns:a14="http://schemas.microsoft.com/office/drawing/2010/main" val="0"/>
-                </a:ext>
-              </a:extLst>
-            </a:blip>
-            <a:stretch>
-              <a:fillRect/>
-            </a:stretch>
-          </p:blipFill>
-          <p:spPr>
+          </p:nvGrpSpPr>
+          <p:grpSpPr>
             <a:xfrm>
-              <a:off x="5852172" y="731519"/>
-              <a:ext cx="5852172" cy="4389129"/>
+              <a:off x="6096000" y="2286000"/>
+              <a:ext cx="6096000" cy="2286000"/>
+              <a:chOff x="-389965" y="514350"/>
+              <a:chExt cx="15544800" cy="5829300"/>
             </a:xfrm>
-            <a:prstGeom prst="rect">
-              <a:avLst/>
-            </a:prstGeom>
-          </p:spPr>
-        </p:pic>
+          </p:grpSpPr>
+          <p:pic>
+            <p:nvPicPr>
+              <p:cNvPr id="18" name="Picture 17">
+                <a:extLst>
+                  <a:ext uri="{FF2B5EF4-FFF2-40B4-BE49-F238E27FC236}">
+                    <a16:creationId xmlns:a16="http://schemas.microsoft.com/office/drawing/2014/main" id="{6AEEC7BD-FCAD-F3D8-5548-5DBD1C099B18}"/>
+                  </a:ext>
+                </a:extLst>
+              </p:cNvPr>
+              <p:cNvPicPr>
+                <a:picLocks noChangeAspect="1"/>
+              </p:cNvPicPr>
+              <p:nvPr/>
+            </p:nvPicPr>
+            <p:blipFill>
+              <a:blip r:embed="rId7"/>
+              <a:stretch>
+                <a:fillRect/>
+              </a:stretch>
+            </p:blipFill>
+            <p:spPr>
+              <a:xfrm>
+                <a:off x="-389965" y="514350"/>
+                <a:ext cx="7772400" cy="5829300"/>
+              </a:xfrm>
+              <a:prstGeom prst="rect">
+                <a:avLst/>
+              </a:prstGeom>
+            </p:spPr>
+          </p:pic>
+          <p:pic>
+            <p:nvPicPr>
+              <p:cNvPr id="19" name="Picture 18">
+                <a:extLst>
+                  <a:ext uri="{FF2B5EF4-FFF2-40B4-BE49-F238E27FC236}">
+                    <a16:creationId xmlns:a16="http://schemas.microsoft.com/office/drawing/2014/main" id="{4F7DA8B4-D172-2746-08EF-99F76C02496E}"/>
+                  </a:ext>
+                </a:extLst>
+              </p:cNvPr>
+              <p:cNvPicPr>
+                <a:picLocks noChangeAspect="1"/>
+              </p:cNvPicPr>
+              <p:nvPr/>
+            </p:nvPicPr>
+            <p:blipFill>
+              <a:blip r:embed="rId8"/>
+              <a:stretch>
+                <a:fillRect/>
+              </a:stretch>
+            </p:blipFill>
+            <p:spPr>
+              <a:xfrm>
+                <a:off x="7382435" y="514350"/>
+                <a:ext cx="7772400" cy="5829300"/>
+              </a:xfrm>
+              <a:prstGeom prst="rect">
+                <a:avLst/>
+              </a:prstGeom>
+            </p:spPr>
+          </p:pic>
+        </p:grpSp>
       </p:grpSp>
     </p:spTree>
     <p:extLst>

--- a/07-31-2023/garrett_frog.pptx
+++ b/07-31-2023/garrett_frog.pptx
@@ -5,10 +5,15 @@
     <p:sldMasterId id="2147483648" r:id="rId1"/>
   </p:sldMasterIdLst>
   <p:notesMasterIdLst>
-    <p:notesMasterId r:id="rId3"/>
+    <p:notesMasterId r:id="rId8"/>
   </p:notesMasterIdLst>
   <p:sldIdLst>
     <p:sldId id="256" r:id="rId2"/>
+    <p:sldId id="257" r:id="rId3"/>
+    <p:sldId id="258" r:id="rId4"/>
+    <p:sldId id="259" r:id="rId5"/>
+    <p:sldId id="260" r:id="rId6"/>
+    <p:sldId id="261" r:id="rId7"/>
   </p:sldIdLst>
   <p:sldSz cx="12192000" cy="6858000"/>
   <p:notesSz cx="6858000" cy="9144000"/>
@@ -197,7 +202,7 @@
           <a:p>
             <a:fld id="{4C1D2A77-936C-44B6-87B7-92F43A41BC76}" type="datetimeFigureOut">
               <a:rPr lang="en-US" smtClean="0"/>
-              <a:t>8/9/23</a:t>
+              <a:t>8/10/23</a:t>
             </a:fld>
             <a:endParaRPr lang="en-US"/>
           </a:p>
@@ -706,7 +711,7 @@
           <a:p>
             <a:fld id="{898E8282-90CF-4406-8164-F3B7350650BC}" type="datetimeFigureOut">
               <a:rPr lang="en-US" smtClean="0"/>
-              <a:t>8/9/23</a:t>
+              <a:t>8/10/23</a:t>
             </a:fld>
             <a:endParaRPr lang="en-US"/>
           </a:p>
@@ -904,7 +909,7 @@
           <a:p>
             <a:fld id="{898E8282-90CF-4406-8164-F3B7350650BC}" type="datetimeFigureOut">
               <a:rPr lang="en-US" smtClean="0"/>
-              <a:t>8/9/23</a:t>
+              <a:t>8/10/23</a:t>
             </a:fld>
             <a:endParaRPr lang="en-US"/>
           </a:p>
@@ -1112,7 +1117,7 @@
           <a:p>
             <a:fld id="{898E8282-90CF-4406-8164-F3B7350650BC}" type="datetimeFigureOut">
               <a:rPr lang="en-US" smtClean="0"/>
-              <a:t>8/9/23</a:t>
+              <a:t>8/10/23</a:t>
             </a:fld>
             <a:endParaRPr lang="en-US"/>
           </a:p>
@@ -1310,7 +1315,7 @@
           <a:p>
             <a:fld id="{898E8282-90CF-4406-8164-F3B7350650BC}" type="datetimeFigureOut">
               <a:rPr lang="en-US" smtClean="0"/>
-              <a:t>8/9/23</a:t>
+              <a:t>8/10/23</a:t>
             </a:fld>
             <a:endParaRPr lang="en-US"/>
           </a:p>
@@ -1585,7 +1590,7 @@
           <a:p>
             <a:fld id="{898E8282-90CF-4406-8164-F3B7350650BC}" type="datetimeFigureOut">
               <a:rPr lang="en-US" smtClean="0"/>
-              <a:t>8/9/23</a:t>
+              <a:t>8/10/23</a:t>
             </a:fld>
             <a:endParaRPr lang="en-US"/>
           </a:p>
@@ -1850,7 +1855,7 @@
           <a:p>
             <a:fld id="{898E8282-90CF-4406-8164-F3B7350650BC}" type="datetimeFigureOut">
               <a:rPr lang="en-US" smtClean="0"/>
-              <a:t>8/9/23</a:t>
+              <a:t>8/10/23</a:t>
             </a:fld>
             <a:endParaRPr lang="en-US"/>
           </a:p>
@@ -2262,7 +2267,7 @@
           <a:p>
             <a:fld id="{898E8282-90CF-4406-8164-F3B7350650BC}" type="datetimeFigureOut">
               <a:rPr lang="en-US" smtClean="0"/>
-              <a:t>8/9/23</a:t>
+              <a:t>8/10/23</a:t>
             </a:fld>
             <a:endParaRPr lang="en-US"/>
           </a:p>
@@ -2403,7 +2408,7 @@
           <a:p>
             <a:fld id="{898E8282-90CF-4406-8164-F3B7350650BC}" type="datetimeFigureOut">
               <a:rPr lang="en-US" smtClean="0"/>
-              <a:t>8/9/23</a:t>
+              <a:t>8/10/23</a:t>
             </a:fld>
             <a:endParaRPr lang="en-US"/>
           </a:p>
@@ -2516,7 +2521,7 @@
           <a:p>
             <a:fld id="{898E8282-90CF-4406-8164-F3B7350650BC}" type="datetimeFigureOut">
               <a:rPr lang="en-US" smtClean="0"/>
-              <a:t>8/9/23</a:t>
+              <a:t>8/10/23</a:t>
             </a:fld>
             <a:endParaRPr lang="en-US"/>
           </a:p>
@@ -2827,7 +2832,7 @@
           <a:p>
             <a:fld id="{898E8282-90CF-4406-8164-F3B7350650BC}" type="datetimeFigureOut">
               <a:rPr lang="en-US" smtClean="0"/>
-              <a:t>8/9/23</a:t>
+              <a:t>8/10/23</a:t>
             </a:fld>
             <a:endParaRPr lang="en-US"/>
           </a:p>
@@ -3115,7 +3120,7 @@
           <a:p>
             <a:fld id="{898E8282-90CF-4406-8164-F3B7350650BC}" type="datetimeFigureOut">
               <a:rPr lang="en-US" smtClean="0"/>
-              <a:t>8/9/23</a:t>
+              <a:t>8/10/23</a:t>
             </a:fld>
             <a:endParaRPr lang="en-US"/>
           </a:p>
@@ -3356,7 +3361,7 @@
           <a:p>
             <a:fld id="{898E8282-90CF-4406-8164-F3B7350650BC}" type="datetimeFigureOut">
               <a:rPr lang="en-US" smtClean="0"/>
-              <a:t>8/9/23</a:t>
+              <a:t>8/10/23</a:t>
             </a:fld>
             <a:endParaRPr lang="en-US"/>
           </a:p>
@@ -3773,295 +3778,340 @@
           <a:chExt cx="0" cy="0"/>
         </a:xfrm>
       </p:grpSpPr>
-      <p:grpSp>
-        <p:nvGrpSpPr>
-          <p:cNvPr id="22" name="Group 21">
-            <a:extLst>
-              <a:ext uri="{FF2B5EF4-FFF2-40B4-BE49-F238E27FC236}">
-                <a16:creationId xmlns:a16="http://schemas.microsoft.com/office/drawing/2014/main" id="{C3940AD8-2000-28DC-501E-223FC511691C}"/>
-              </a:ext>
-            </a:extLst>
-          </p:cNvPr>
-          <p:cNvGrpSpPr/>
+      <p:pic>
+        <p:nvPicPr>
+          <p:cNvPr id="2" name="Picture 1">
+            <a:extLst>
+              <a:ext uri="{FF2B5EF4-FFF2-40B4-BE49-F238E27FC236}">
+                <a16:creationId xmlns:a16="http://schemas.microsoft.com/office/drawing/2014/main" id="{7C1F8563-3E4E-E66F-A111-B4F5DECD25D5}"/>
+              </a:ext>
+            </a:extLst>
+          </p:cNvPr>
+          <p:cNvPicPr>
+            <a:picLocks noChangeAspect="1"/>
+          </p:cNvPicPr>
           <p:nvPr/>
-        </p:nvGrpSpPr>
-        <p:grpSpPr>
+        </p:nvPicPr>
+        <p:blipFill>
+          <a:blip r:embed="rId3"/>
+          <a:stretch>
+            <a:fillRect/>
+          </a:stretch>
+        </p:blipFill>
+        <p:spPr>
           <a:xfrm>
-            <a:off x="0" y="1143000"/>
-            <a:ext cx="12192000" cy="4572000"/>
-            <a:chOff x="0" y="1143000"/>
-            <a:chExt cx="12192000" cy="4572000"/>
+            <a:off x="2209800" y="514350"/>
+            <a:ext cx="7772400" cy="5829300"/>
           </a:xfrm>
-        </p:grpSpPr>
-        <p:grpSp>
-          <p:nvGrpSpPr>
-            <p:cNvPr id="21" name="Group 20">
-              <a:extLst>
-                <a:ext uri="{FF2B5EF4-FFF2-40B4-BE49-F238E27FC236}">
-                  <a16:creationId xmlns:a16="http://schemas.microsoft.com/office/drawing/2014/main" id="{A28C56BE-FCCD-9C17-145A-75F73287A5B8}"/>
-                </a:ext>
-              </a:extLst>
-            </p:cNvPr>
-            <p:cNvGrpSpPr/>
-            <p:nvPr/>
-          </p:nvGrpSpPr>
-          <p:grpSpPr>
-            <a:xfrm>
-              <a:off x="0" y="1143000"/>
-              <a:ext cx="6096000" cy="4572000"/>
-              <a:chOff x="3048000" y="0"/>
-              <a:chExt cx="6096000" cy="4572000"/>
-            </a:xfrm>
-          </p:grpSpPr>
-          <p:grpSp>
-            <p:nvGrpSpPr>
-              <p:cNvPr id="13" name="Group 12">
-                <a:extLst>
-                  <a:ext uri="{FF2B5EF4-FFF2-40B4-BE49-F238E27FC236}">
-                    <a16:creationId xmlns:a16="http://schemas.microsoft.com/office/drawing/2014/main" id="{0AC9750B-5D1B-E02E-FA02-EECD320E9608}"/>
-                  </a:ext>
-                </a:extLst>
-              </p:cNvPr>
-              <p:cNvGrpSpPr/>
-              <p:nvPr/>
-            </p:nvGrpSpPr>
-            <p:grpSpPr>
-              <a:xfrm>
-                <a:off x="3048000" y="0"/>
-                <a:ext cx="6096000" cy="2286000"/>
-                <a:chOff x="0" y="0"/>
-                <a:chExt cx="15544800" cy="5829300"/>
-              </a:xfrm>
-            </p:grpSpPr>
-            <p:pic>
-              <p:nvPicPr>
-                <p:cNvPr id="11" name="Picture 10">
-                  <a:extLst>
-                    <a:ext uri="{FF2B5EF4-FFF2-40B4-BE49-F238E27FC236}">
-                      <a16:creationId xmlns:a16="http://schemas.microsoft.com/office/drawing/2014/main" id="{F3BFABA9-C3F6-D101-700C-636193943202}"/>
-                    </a:ext>
-                  </a:extLst>
-                </p:cNvPr>
-                <p:cNvPicPr>
-                  <a:picLocks noChangeAspect="1"/>
-                </p:cNvPicPr>
-                <p:nvPr/>
-              </p:nvPicPr>
-              <p:blipFill>
-                <a:blip r:embed="rId3"/>
-                <a:stretch>
-                  <a:fillRect/>
-                </a:stretch>
-              </p:blipFill>
-              <p:spPr>
-                <a:xfrm>
-                  <a:off x="0" y="0"/>
-                  <a:ext cx="7772400" cy="5829300"/>
-                </a:xfrm>
-                <a:prstGeom prst="rect">
-                  <a:avLst/>
-                </a:prstGeom>
-              </p:spPr>
-            </p:pic>
-            <p:pic>
-              <p:nvPicPr>
-                <p:cNvPr id="12" name="Picture 11">
-                  <a:extLst>
-                    <a:ext uri="{FF2B5EF4-FFF2-40B4-BE49-F238E27FC236}">
-                      <a16:creationId xmlns:a16="http://schemas.microsoft.com/office/drawing/2014/main" id="{CA8016B0-CAA2-5659-104E-EE8944D2B90E}"/>
-                    </a:ext>
-                  </a:extLst>
-                </p:cNvPr>
-                <p:cNvPicPr>
-                  <a:picLocks noChangeAspect="1"/>
-                </p:cNvPicPr>
-                <p:nvPr/>
-              </p:nvPicPr>
-              <p:blipFill>
-                <a:blip r:embed="rId4"/>
-                <a:stretch>
-                  <a:fillRect/>
-                </a:stretch>
-              </p:blipFill>
-              <p:spPr>
-                <a:xfrm>
-                  <a:off x="7772400" y="0"/>
-                  <a:ext cx="7772400" cy="5829300"/>
-                </a:xfrm>
-                <a:prstGeom prst="rect">
-                  <a:avLst/>
-                </a:prstGeom>
-              </p:spPr>
-            </p:pic>
-          </p:grpSp>
-          <p:grpSp>
-            <p:nvGrpSpPr>
-              <p:cNvPr id="14" name="Group 13">
-                <a:extLst>
-                  <a:ext uri="{FF2B5EF4-FFF2-40B4-BE49-F238E27FC236}">
-                    <a16:creationId xmlns:a16="http://schemas.microsoft.com/office/drawing/2014/main" id="{33EFECF3-8FCC-43A6-02BF-E839D5403752}"/>
-                  </a:ext>
-                </a:extLst>
-              </p:cNvPr>
-              <p:cNvGrpSpPr/>
-              <p:nvPr/>
-            </p:nvGrpSpPr>
-            <p:grpSpPr>
-              <a:xfrm>
-                <a:off x="3048000" y="2286000"/>
-                <a:ext cx="6096000" cy="2286000"/>
-                <a:chOff x="-327211" y="514350"/>
-                <a:chExt cx="15544800" cy="5829300"/>
-              </a:xfrm>
-            </p:grpSpPr>
-            <p:pic>
-              <p:nvPicPr>
-                <p:cNvPr id="15" name="Picture 14">
-                  <a:extLst>
-                    <a:ext uri="{FF2B5EF4-FFF2-40B4-BE49-F238E27FC236}">
-                      <a16:creationId xmlns:a16="http://schemas.microsoft.com/office/drawing/2014/main" id="{3067EA85-480D-760E-C68C-A4B64661C660}"/>
-                    </a:ext>
-                  </a:extLst>
-                </p:cNvPr>
-                <p:cNvPicPr>
-                  <a:picLocks noChangeAspect="1"/>
-                </p:cNvPicPr>
-                <p:nvPr/>
-              </p:nvPicPr>
-              <p:blipFill>
-                <a:blip r:embed="rId5"/>
-                <a:stretch>
-                  <a:fillRect/>
-                </a:stretch>
-              </p:blipFill>
-              <p:spPr>
-                <a:xfrm>
-                  <a:off x="-327211" y="514350"/>
-                  <a:ext cx="7772400" cy="5829300"/>
-                </a:xfrm>
-                <a:prstGeom prst="rect">
-                  <a:avLst/>
-                </a:prstGeom>
-              </p:spPr>
-            </p:pic>
-            <p:pic>
-              <p:nvPicPr>
-                <p:cNvPr id="16" name="Picture 15">
-                  <a:extLst>
-                    <a:ext uri="{FF2B5EF4-FFF2-40B4-BE49-F238E27FC236}">
-                      <a16:creationId xmlns:a16="http://schemas.microsoft.com/office/drawing/2014/main" id="{D90D3A31-475D-35C9-60E5-C31D180CF417}"/>
-                    </a:ext>
-                  </a:extLst>
-                </p:cNvPr>
-                <p:cNvPicPr>
-                  <a:picLocks noChangeAspect="1"/>
-                </p:cNvPicPr>
-                <p:nvPr/>
-              </p:nvPicPr>
-              <p:blipFill>
-                <a:blip r:embed="rId6"/>
-                <a:stretch>
-                  <a:fillRect/>
-                </a:stretch>
-              </p:blipFill>
-              <p:spPr>
-                <a:xfrm>
-                  <a:off x="7445189" y="514350"/>
-                  <a:ext cx="7772400" cy="5829300"/>
-                </a:xfrm>
-                <a:prstGeom prst="rect">
-                  <a:avLst/>
-                </a:prstGeom>
-              </p:spPr>
-            </p:pic>
-          </p:grpSp>
-        </p:grpSp>
-        <p:grpSp>
-          <p:nvGrpSpPr>
-            <p:cNvPr id="17" name="Group 16">
-              <a:extLst>
-                <a:ext uri="{FF2B5EF4-FFF2-40B4-BE49-F238E27FC236}">
-                  <a16:creationId xmlns:a16="http://schemas.microsoft.com/office/drawing/2014/main" id="{361889B6-5FD5-4C26-B774-09C2C976BD6A}"/>
-                </a:ext>
-              </a:extLst>
-            </p:cNvPr>
-            <p:cNvGrpSpPr/>
-            <p:nvPr/>
-          </p:nvGrpSpPr>
-          <p:grpSpPr>
-            <a:xfrm>
-              <a:off x="6096000" y="2286000"/>
-              <a:ext cx="6096000" cy="2286000"/>
-              <a:chOff x="-389965" y="514350"/>
-              <a:chExt cx="15544800" cy="5829300"/>
-            </a:xfrm>
-          </p:grpSpPr>
-          <p:pic>
-            <p:nvPicPr>
-              <p:cNvPr id="18" name="Picture 17">
-                <a:extLst>
-                  <a:ext uri="{FF2B5EF4-FFF2-40B4-BE49-F238E27FC236}">
-                    <a16:creationId xmlns:a16="http://schemas.microsoft.com/office/drawing/2014/main" id="{6AEEC7BD-FCAD-F3D8-5548-5DBD1C099B18}"/>
-                  </a:ext>
-                </a:extLst>
-              </p:cNvPr>
-              <p:cNvPicPr>
-                <a:picLocks noChangeAspect="1"/>
-              </p:cNvPicPr>
-              <p:nvPr/>
-            </p:nvPicPr>
-            <p:blipFill>
-              <a:blip r:embed="rId7"/>
-              <a:stretch>
-                <a:fillRect/>
-              </a:stretch>
-            </p:blipFill>
-            <p:spPr>
-              <a:xfrm>
-                <a:off x="-389965" y="514350"/>
-                <a:ext cx="7772400" cy="5829300"/>
-              </a:xfrm>
-              <a:prstGeom prst="rect">
-                <a:avLst/>
-              </a:prstGeom>
-            </p:spPr>
-          </p:pic>
-          <p:pic>
-            <p:nvPicPr>
-              <p:cNvPr id="19" name="Picture 18">
-                <a:extLst>
-                  <a:ext uri="{FF2B5EF4-FFF2-40B4-BE49-F238E27FC236}">
-                    <a16:creationId xmlns:a16="http://schemas.microsoft.com/office/drawing/2014/main" id="{4F7DA8B4-D172-2746-08EF-99F76C02496E}"/>
-                  </a:ext>
-                </a:extLst>
-              </p:cNvPr>
-              <p:cNvPicPr>
-                <a:picLocks noChangeAspect="1"/>
-              </p:cNvPicPr>
-              <p:nvPr/>
-            </p:nvPicPr>
-            <p:blipFill>
-              <a:blip r:embed="rId8"/>
-              <a:stretch>
-                <a:fillRect/>
-              </a:stretch>
-            </p:blipFill>
-            <p:spPr>
-              <a:xfrm>
-                <a:off x="7382435" y="514350"/>
-                <a:ext cx="7772400" cy="5829300"/>
-              </a:xfrm>
-              <a:prstGeom prst="rect">
-                <a:avLst/>
-              </a:prstGeom>
-            </p:spPr>
-          </p:pic>
-        </p:grpSp>
-      </p:grpSp>
+          <a:prstGeom prst="rect">
+            <a:avLst/>
+          </a:prstGeom>
+        </p:spPr>
+      </p:pic>
     </p:spTree>
     <p:extLst>
       <p:ext uri="{BB962C8B-B14F-4D97-AF65-F5344CB8AC3E}">
         <p14:creationId xmlns:p14="http://schemas.microsoft.com/office/powerpoint/2010/main" val="2667941509"/>
+      </p:ext>
+    </p:extLst>
+  </p:cSld>
+  <p:clrMapOvr>
+    <a:masterClrMapping/>
+  </p:clrMapOvr>
+</p:sld>
+</file>
+
+<file path=ppt/slides/slide2.xml><?xml version="1.0" encoding="utf-8"?>
+<p:sld xmlns:a="http://schemas.openxmlformats.org/drawingml/2006/main" xmlns:r="http://schemas.openxmlformats.org/officeDocument/2006/relationships" xmlns:p="http://schemas.openxmlformats.org/presentationml/2006/main">
+  <p:cSld>
+    <p:spTree>
+      <p:nvGrpSpPr>
+        <p:cNvPr id="1" name=""/>
+        <p:cNvGrpSpPr/>
+        <p:nvPr/>
+      </p:nvGrpSpPr>
+      <p:grpSpPr>
+        <a:xfrm>
+          <a:off x="0" y="0"/>
+          <a:ext cx="0" cy="0"/>
+          <a:chOff x="0" y="0"/>
+          <a:chExt cx="0" cy="0"/>
+        </a:xfrm>
+      </p:grpSpPr>
+      <p:pic>
+        <p:nvPicPr>
+          <p:cNvPr id="2" name="Picture 1">
+            <a:extLst>
+              <a:ext uri="{FF2B5EF4-FFF2-40B4-BE49-F238E27FC236}">
+                <a16:creationId xmlns:a16="http://schemas.microsoft.com/office/drawing/2014/main" id="{7FE88848-8F9E-639D-F50A-03E1AAF50969}"/>
+              </a:ext>
+            </a:extLst>
+          </p:cNvPr>
+          <p:cNvPicPr>
+            <a:picLocks noChangeAspect="1"/>
+          </p:cNvPicPr>
+          <p:nvPr/>
+        </p:nvPicPr>
+        <p:blipFill>
+          <a:blip r:embed="rId2"/>
+          <a:stretch>
+            <a:fillRect/>
+          </a:stretch>
+        </p:blipFill>
+        <p:spPr>
+          <a:xfrm>
+            <a:off x="2209800" y="514350"/>
+            <a:ext cx="7772400" cy="5829300"/>
+          </a:xfrm>
+          <a:prstGeom prst="rect">
+            <a:avLst/>
+          </a:prstGeom>
+        </p:spPr>
+      </p:pic>
+    </p:spTree>
+    <p:extLst>
+      <p:ext uri="{BB962C8B-B14F-4D97-AF65-F5344CB8AC3E}">
+        <p14:creationId xmlns:p14="http://schemas.microsoft.com/office/powerpoint/2010/main" val="4131922917"/>
+      </p:ext>
+    </p:extLst>
+  </p:cSld>
+  <p:clrMapOvr>
+    <a:masterClrMapping/>
+  </p:clrMapOvr>
+</p:sld>
+</file>
+
+<file path=ppt/slides/slide3.xml><?xml version="1.0" encoding="utf-8"?>
+<p:sld xmlns:a="http://schemas.openxmlformats.org/drawingml/2006/main" xmlns:r="http://schemas.openxmlformats.org/officeDocument/2006/relationships" xmlns:p="http://schemas.openxmlformats.org/presentationml/2006/main">
+  <p:cSld>
+    <p:spTree>
+      <p:nvGrpSpPr>
+        <p:cNvPr id="1" name=""/>
+        <p:cNvGrpSpPr/>
+        <p:nvPr/>
+      </p:nvGrpSpPr>
+      <p:grpSpPr>
+        <a:xfrm>
+          <a:off x="0" y="0"/>
+          <a:ext cx="0" cy="0"/>
+          <a:chOff x="0" y="0"/>
+          <a:chExt cx="0" cy="0"/>
+        </a:xfrm>
+      </p:grpSpPr>
+      <p:pic>
+        <p:nvPicPr>
+          <p:cNvPr id="2" name="Picture 1">
+            <a:extLst>
+              <a:ext uri="{FF2B5EF4-FFF2-40B4-BE49-F238E27FC236}">
+                <a16:creationId xmlns:a16="http://schemas.microsoft.com/office/drawing/2014/main" id="{6935EBDD-78E0-7C50-2ED7-DDB3079E9AF7}"/>
+              </a:ext>
+            </a:extLst>
+          </p:cNvPr>
+          <p:cNvPicPr>
+            <a:picLocks noChangeAspect="1"/>
+          </p:cNvPicPr>
+          <p:nvPr/>
+        </p:nvPicPr>
+        <p:blipFill>
+          <a:blip r:embed="rId2"/>
+          <a:stretch>
+            <a:fillRect/>
+          </a:stretch>
+        </p:blipFill>
+        <p:spPr>
+          <a:xfrm>
+            <a:off x="2209800" y="514350"/>
+            <a:ext cx="7772400" cy="5829300"/>
+          </a:xfrm>
+          <a:prstGeom prst="rect">
+            <a:avLst/>
+          </a:prstGeom>
+        </p:spPr>
+      </p:pic>
+    </p:spTree>
+    <p:extLst>
+      <p:ext uri="{BB962C8B-B14F-4D97-AF65-F5344CB8AC3E}">
+        <p14:creationId xmlns:p14="http://schemas.microsoft.com/office/powerpoint/2010/main" val="1236889657"/>
+      </p:ext>
+    </p:extLst>
+  </p:cSld>
+  <p:clrMapOvr>
+    <a:masterClrMapping/>
+  </p:clrMapOvr>
+</p:sld>
+</file>
+
+<file path=ppt/slides/slide4.xml><?xml version="1.0" encoding="utf-8"?>
+<p:sld xmlns:a="http://schemas.openxmlformats.org/drawingml/2006/main" xmlns:r="http://schemas.openxmlformats.org/officeDocument/2006/relationships" xmlns:p="http://schemas.openxmlformats.org/presentationml/2006/main">
+  <p:cSld>
+    <p:spTree>
+      <p:nvGrpSpPr>
+        <p:cNvPr id="1" name=""/>
+        <p:cNvGrpSpPr/>
+        <p:nvPr/>
+      </p:nvGrpSpPr>
+      <p:grpSpPr>
+        <a:xfrm>
+          <a:off x="0" y="0"/>
+          <a:ext cx="0" cy="0"/>
+          <a:chOff x="0" y="0"/>
+          <a:chExt cx="0" cy="0"/>
+        </a:xfrm>
+      </p:grpSpPr>
+      <p:pic>
+        <p:nvPicPr>
+          <p:cNvPr id="2" name="Picture 1">
+            <a:extLst>
+              <a:ext uri="{FF2B5EF4-FFF2-40B4-BE49-F238E27FC236}">
+                <a16:creationId xmlns:a16="http://schemas.microsoft.com/office/drawing/2014/main" id="{9BBEE2E4-E881-490C-853B-59436D1C1AA7}"/>
+              </a:ext>
+            </a:extLst>
+          </p:cNvPr>
+          <p:cNvPicPr>
+            <a:picLocks noChangeAspect="1"/>
+          </p:cNvPicPr>
+          <p:nvPr/>
+        </p:nvPicPr>
+        <p:blipFill>
+          <a:blip r:embed="rId2"/>
+          <a:stretch>
+            <a:fillRect/>
+          </a:stretch>
+        </p:blipFill>
+        <p:spPr>
+          <a:xfrm>
+            <a:off x="2209800" y="514350"/>
+            <a:ext cx="7772400" cy="5829300"/>
+          </a:xfrm>
+          <a:prstGeom prst="rect">
+            <a:avLst/>
+          </a:prstGeom>
+        </p:spPr>
+      </p:pic>
+    </p:spTree>
+    <p:extLst>
+      <p:ext uri="{BB962C8B-B14F-4D97-AF65-F5344CB8AC3E}">
+        <p14:creationId xmlns:p14="http://schemas.microsoft.com/office/powerpoint/2010/main" val="4166421247"/>
+      </p:ext>
+    </p:extLst>
+  </p:cSld>
+  <p:clrMapOvr>
+    <a:masterClrMapping/>
+  </p:clrMapOvr>
+</p:sld>
+</file>
+
+<file path=ppt/slides/slide5.xml><?xml version="1.0" encoding="utf-8"?>
+<p:sld xmlns:a="http://schemas.openxmlformats.org/drawingml/2006/main" xmlns:r="http://schemas.openxmlformats.org/officeDocument/2006/relationships" xmlns:p="http://schemas.openxmlformats.org/presentationml/2006/main">
+  <p:cSld>
+    <p:spTree>
+      <p:nvGrpSpPr>
+        <p:cNvPr id="1" name=""/>
+        <p:cNvGrpSpPr/>
+        <p:nvPr/>
+      </p:nvGrpSpPr>
+      <p:grpSpPr>
+        <a:xfrm>
+          <a:off x="0" y="0"/>
+          <a:ext cx="0" cy="0"/>
+          <a:chOff x="0" y="0"/>
+          <a:chExt cx="0" cy="0"/>
+        </a:xfrm>
+      </p:grpSpPr>
+      <p:pic>
+        <p:nvPicPr>
+          <p:cNvPr id="2" name="Picture 1">
+            <a:extLst>
+              <a:ext uri="{FF2B5EF4-FFF2-40B4-BE49-F238E27FC236}">
+                <a16:creationId xmlns:a16="http://schemas.microsoft.com/office/drawing/2014/main" id="{932BEEAF-0F5F-5C55-E3C3-F7169D060689}"/>
+              </a:ext>
+            </a:extLst>
+          </p:cNvPr>
+          <p:cNvPicPr>
+            <a:picLocks noChangeAspect="1"/>
+          </p:cNvPicPr>
+          <p:nvPr/>
+        </p:nvPicPr>
+        <p:blipFill>
+          <a:blip r:embed="rId2"/>
+          <a:stretch>
+            <a:fillRect/>
+          </a:stretch>
+        </p:blipFill>
+        <p:spPr>
+          <a:xfrm>
+            <a:off x="2209800" y="514350"/>
+            <a:ext cx="7772400" cy="5829300"/>
+          </a:xfrm>
+          <a:prstGeom prst="rect">
+            <a:avLst/>
+          </a:prstGeom>
+        </p:spPr>
+      </p:pic>
+    </p:spTree>
+    <p:extLst>
+      <p:ext uri="{BB962C8B-B14F-4D97-AF65-F5344CB8AC3E}">
+        <p14:creationId xmlns:p14="http://schemas.microsoft.com/office/powerpoint/2010/main" val="464969329"/>
+      </p:ext>
+    </p:extLst>
+  </p:cSld>
+  <p:clrMapOvr>
+    <a:masterClrMapping/>
+  </p:clrMapOvr>
+</p:sld>
+</file>
+
+<file path=ppt/slides/slide6.xml><?xml version="1.0" encoding="utf-8"?>
+<p:sld xmlns:a="http://schemas.openxmlformats.org/drawingml/2006/main" xmlns:r="http://schemas.openxmlformats.org/officeDocument/2006/relationships" xmlns:p="http://schemas.openxmlformats.org/presentationml/2006/main">
+  <p:cSld>
+    <p:spTree>
+      <p:nvGrpSpPr>
+        <p:cNvPr id="1" name=""/>
+        <p:cNvGrpSpPr/>
+        <p:nvPr/>
+      </p:nvGrpSpPr>
+      <p:grpSpPr>
+        <a:xfrm>
+          <a:off x="0" y="0"/>
+          <a:ext cx="0" cy="0"/>
+          <a:chOff x="0" y="0"/>
+          <a:chExt cx="0" cy="0"/>
+        </a:xfrm>
+      </p:grpSpPr>
+      <p:pic>
+        <p:nvPicPr>
+          <p:cNvPr id="2" name="Picture 1">
+            <a:extLst>
+              <a:ext uri="{FF2B5EF4-FFF2-40B4-BE49-F238E27FC236}">
+                <a16:creationId xmlns:a16="http://schemas.microsoft.com/office/drawing/2014/main" id="{4C3E5D0A-275F-1A53-5F5B-12A5433D95E7}"/>
+              </a:ext>
+            </a:extLst>
+          </p:cNvPr>
+          <p:cNvPicPr>
+            <a:picLocks noChangeAspect="1"/>
+          </p:cNvPicPr>
+          <p:nvPr/>
+        </p:nvPicPr>
+        <p:blipFill>
+          <a:blip r:embed="rId2"/>
+          <a:stretch>
+            <a:fillRect/>
+          </a:stretch>
+        </p:blipFill>
+        <p:spPr>
+          <a:xfrm>
+            <a:off x="2209800" y="514350"/>
+            <a:ext cx="7772400" cy="5829300"/>
+          </a:xfrm>
+          <a:prstGeom prst="rect">
+            <a:avLst/>
+          </a:prstGeom>
+        </p:spPr>
+      </p:pic>
+    </p:spTree>
+    <p:extLst>
+      <p:ext uri="{BB962C8B-B14F-4D97-AF65-F5344CB8AC3E}">
+        <p14:creationId xmlns:p14="http://schemas.microsoft.com/office/powerpoint/2010/main" val="3741548338"/>
       </p:ext>
     </p:extLst>
   </p:cSld>
